--- a/documentations/3 - Web Services partie REST.pptx
+++ b/documentations/3 - Web Services partie REST.pptx
@@ -28437,12 +28437,12 @@
         <p:spPr>
           <a:xfrm>
             <a:off x="838200" y="1314450"/>
-            <a:ext cx="10515600" cy="4772025"/>
+            <a:ext cx="10515600" cy="5543550"/>
           </a:xfrm>
         </p:spPr>
         <p:txBody>
           <a:bodyPr>
-            <a:normAutofit fontScale="70000" lnSpcReduction="20000"/>
+            <a:normAutofit fontScale="77500" lnSpcReduction="20000"/>
           </a:bodyPr>
           <a:lstStyle/>
           <a:p>
@@ -36006,7 +36006,7 @@
           <a:p>
             <a:r>
               <a:rPr lang="fr-FR" dirty="0"/>
-              <a:t>POST est généralement utilisé pour insérer une nouvelle entité.</a:t>
+              <a:t>POST est utilisé pour insérer une nouvelle entité.</a:t>
             </a:r>
           </a:p>
           <a:p>
